--- a/presentations/model_training_overview.pptx
+++ b/presentations/model_training_overview.pptx
@@ -10,14 +10,14 @@
   <p:sldIdLst>
     <p:sldId id="322" r:id="rId2"/>
     <p:sldId id="258" r:id="rId3"/>
-    <p:sldId id="308" r:id="rId4"/>
+    <p:sldId id="323" r:id="rId4"/>
     <p:sldId id="267" r:id="rId5"/>
     <p:sldId id="269" r:id="rId6"/>
-    <p:sldId id="323" r:id="rId7"/>
-    <p:sldId id="324" r:id="rId8"/>
+    <p:sldId id="324" r:id="rId7"/>
+    <p:sldId id="325" r:id="rId8"/>
   </p:sldIdLst>
   <p:sldSz cx="12192000" cy="6858000"/>
-  <p:notesSz cx="6858000" cy="9144000"/>
+  <p:notesSz cx="7023100" cy="9309100"/>
   <p:defaultTextStyle>
     <a:defPPr>
       <a:defRPr lang="en-US"/>
@@ -167,14 +167,14 @@
         <p:spPr>
           <a:xfrm>
             <a:off x="0" y="0"/>
-            <a:ext cx="2971800" cy="458788"/>
+            <a:ext cx="3043343" cy="467072"/>
           </a:xfrm>
           <a:prstGeom prst="rect">
             <a:avLst/>
           </a:prstGeom>
         </p:spPr>
         <p:txBody>
-          <a:bodyPr vert="horz" lIns="91440" tIns="45720" rIns="91440" bIns="45720" rtlCol="0"/>
+          <a:bodyPr vert="horz" lIns="93324" tIns="46662" rIns="93324" bIns="46662" rtlCol="0"/>
           <a:lstStyle>
             <a:lvl1pPr algn="l">
               <a:defRPr sz="1200"/>
@@ -197,15 +197,15 @@
         </p:nvSpPr>
         <p:spPr>
           <a:xfrm>
-            <a:off x="3884613" y="0"/>
-            <a:ext cx="2971800" cy="458788"/>
+            <a:off x="3978132" y="0"/>
+            <a:ext cx="3043343" cy="467072"/>
           </a:xfrm>
           <a:prstGeom prst="rect">
             <a:avLst/>
           </a:prstGeom>
         </p:spPr>
         <p:txBody>
-          <a:bodyPr vert="horz" lIns="91440" tIns="45720" rIns="91440" bIns="45720" rtlCol="0"/>
+          <a:bodyPr vert="horz" lIns="93324" tIns="46662" rIns="93324" bIns="46662" rtlCol="0"/>
           <a:lstStyle>
             <a:lvl1pPr algn="r">
               <a:defRPr sz="1200"/>
@@ -232,8 +232,8 @@
         </p:nvSpPr>
         <p:spPr>
           <a:xfrm>
-            <a:off x="685800" y="1143000"/>
-            <a:ext cx="5486400" cy="3086100"/>
+            <a:off x="719138" y="1163638"/>
+            <a:ext cx="5584825" cy="3141662"/>
           </a:xfrm>
           <a:prstGeom prst="rect">
             <a:avLst/>
@@ -246,7 +246,7 @@
           </a:ln>
         </p:spPr>
         <p:txBody>
-          <a:bodyPr vert="horz" lIns="91440" tIns="45720" rIns="91440" bIns="45720" rtlCol="0" anchor="ctr"/>
+          <a:bodyPr vert="horz" lIns="93324" tIns="46662" rIns="93324" bIns="46662" rtlCol="0" anchor="ctr"/>
           <a:lstStyle/>
           <a:p>
             <a:endParaRPr lang="en-US"/>
@@ -265,15 +265,15 @@
         </p:nvSpPr>
         <p:spPr>
           <a:xfrm>
-            <a:off x="685800" y="4400550"/>
-            <a:ext cx="5486400" cy="3600450"/>
+            <a:off x="702310" y="4480004"/>
+            <a:ext cx="5618480" cy="3665458"/>
           </a:xfrm>
           <a:prstGeom prst="rect">
             <a:avLst/>
           </a:prstGeom>
         </p:spPr>
         <p:txBody>
-          <a:bodyPr vert="horz" lIns="91440" tIns="45720" rIns="91440" bIns="45720" rtlCol="0"/>
+          <a:bodyPr vert="horz" lIns="93324" tIns="46662" rIns="93324" bIns="46662" rtlCol="0"/>
           <a:lstStyle/>
           <a:p>
             <a:pPr lvl="0"/>
@@ -324,15 +324,15 @@
         </p:nvSpPr>
         <p:spPr>
           <a:xfrm>
-            <a:off x="0" y="8685213"/>
-            <a:ext cx="2971800" cy="458787"/>
+            <a:off x="0" y="8842030"/>
+            <a:ext cx="3043343" cy="467071"/>
           </a:xfrm>
           <a:prstGeom prst="rect">
             <a:avLst/>
           </a:prstGeom>
         </p:spPr>
         <p:txBody>
-          <a:bodyPr vert="horz" lIns="91440" tIns="45720" rIns="91440" bIns="45720" rtlCol="0" anchor="b"/>
+          <a:bodyPr vert="horz" lIns="93324" tIns="46662" rIns="93324" bIns="46662" rtlCol="0" anchor="b"/>
           <a:lstStyle>
             <a:lvl1pPr algn="l">
               <a:defRPr sz="1200"/>
@@ -355,15 +355,15 @@
         </p:nvSpPr>
         <p:spPr>
           <a:xfrm>
-            <a:off x="3884613" y="8685213"/>
-            <a:ext cx="2971800" cy="458787"/>
+            <a:off x="3978132" y="8842030"/>
+            <a:ext cx="3043343" cy="467071"/>
           </a:xfrm>
           <a:prstGeom prst="rect">
             <a:avLst/>
           </a:prstGeom>
         </p:spPr>
         <p:txBody>
-          <a:bodyPr vert="horz" lIns="91440" tIns="45720" rIns="91440" bIns="45720" rtlCol="0" anchor="b"/>
+          <a:bodyPr vert="horz" lIns="93324" tIns="46662" rIns="93324" bIns="46662" rtlCol="0" anchor="b"/>
           <a:lstStyle>
             <a:lvl1pPr algn="r">
               <a:defRPr sz="1200"/>
@@ -617,28 +617,12 @@
           <a:lstStyle/>
           <a:p>
             <a:r>
-              <a:rPr lang="en-US" sz="1200" b="0" i="0" kern="1200" dirty="0">
-                <a:solidFill>
-                  <a:schemeClr val="tx1"/>
-                </a:solidFill>
-                <a:effectLst/>
-                <a:latin typeface="+mn-lt"/>
-                <a:ea typeface="+mn-ea"/>
-                <a:cs typeface="+mn-cs"/>
-              </a:rPr>
+              <a:rPr lang="en-US" dirty="0"/>
               <a:t>Now that I have introduced the basic parts of a neural network, let’s step back and briefly review the key steps of the training process.  The five steps which comprise both forward and back propagation are pictured here, along with each step’s corresponding mathematical functions or operations.  Gradient checking step is important for quality control, though we do not discuss it in the Practicum AI workshop series. Backpropagation includes the last three steps.</a:t>
             </a:r>
           </a:p>
           <a:p>
-            <a:endParaRPr lang="en-US" sz="1200" b="0" i="0" kern="1200" dirty="0">
-              <a:solidFill>
-                <a:schemeClr val="tx1"/>
-              </a:solidFill>
-              <a:effectLst/>
-              <a:latin typeface="+mn-lt"/>
-              <a:ea typeface="+mn-ea"/>
-              <a:cs typeface="+mn-cs"/>
-            </a:endParaRPr>
+            <a:endParaRPr lang="en-US" dirty="0"/>
           </a:p>
         </p:txBody>
       </p:sp>
@@ -722,10 +706,7 @@
           <a:bodyPr/>
           <a:lstStyle/>
           <a:p>
-            <a:r>
-              <a:rPr lang="en-US" dirty="0"/>
-              <a:t>Here’s another visualization of the training process.  I like this process diagram because it clearly shows the role of the optimizer in the weight update process.</a:t>
-            </a:r>
+            <a:endParaRPr lang="en-US" dirty="0"/>
           </a:p>
         </p:txBody>
       </p:sp>
@@ -755,7 +736,7 @@
     </p:spTree>
     <p:extLst>
       <p:ext uri="{BB962C8B-B14F-4D97-AF65-F5344CB8AC3E}">
-        <p14:creationId xmlns:p14="http://schemas.microsoft.com/office/powerpoint/2010/main" val="3383463616"/>
+        <p14:creationId xmlns:p14="http://schemas.microsoft.com/office/powerpoint/2010/main" val="3493800093"/>
       </p:ext>
     </p:extLst>
   </p:cSld>
@@ -810,139 +791,51 @@
           <a:lstStyle/>
           <a:p>
             <a:r>
-              <a:rPr lang="en-US" sz="1200" b="0" i="0" kern="1200" dirty="0">
-                <a:solidFill>
-                  <a:schemeClr val="tx1"/>
-                </a:solidFill>
-                <a:effectLst/>
-                <a:latin typeface="+mn-lt"/>
-                <a:ea typeface="+mn-ea"/>
-                <a:cs typeface="+mn-cs"/>
-              </a:rPr>
+              <a:rPr lang="en-US" dirty="0"/>
               <a:t>Neural networks are always built to solve a specific type of problem, although this doesn’t mean they can’t be used as “general purpose” tools.  Examples of specific uses include: prediction, forecasting, estimation, classification, and pattern recognition.</a:t>
             </a:r>
           </a:p>
           <a:p>
-            <a:endParaRPr lang="en-US" sz="1200" b="0" i="0" kern="1200" dirty="0">
-              <a:solidFill>
-                <a:schemeClr val="tx1"/>
-              </a:solidFill>
-              <a:effectLst/>
-              <a:latin typeface="+mn-lt"/>
-              <a:ea typeface="+mn-ea"/>
-              <a:cs typeface="+mn-cs"/>
-            </a:endParaRPr>
-          </a:p>
-          <a:p>
-            <a:r>
-              <a:rPr lang="en-US" sz="1200" b="0" i="0" kern="1200" dirty="0">
-                <a:solidFill>
-                  <a:schemeClr val="tx1"/>
-                </a:solidFill>
-                <a:effectLst/>
-                <a:latin typeface="+mn-lt"/>
-                <a:ea typeface="+mn-ea"/>
-                <a:cs typeface="+mn-cs"/>
-              </a:rPr>
+            <a:endParaRPr lang="en-US" dirty="0"/>
+          </a:p>
+          <a:p>
+            <a:r>
+              <a:rPr lang="en-US" dirty="0"/>
               <a:t>A neural network has three basic sections, or parts, and each part is composed of “nodes”.  There’s the input layer, one or more hidden layers (sometimes dozens of hidden layers), and a final output layer.</a:t>
             </a:r>
           </a:p>
           <a:p>
-            <a:endParaRPr lang="en-US" sz="1200" b="0" i="0" kern="1200" dirty="0">
-              <a:solidFill>
-                <a:schemeClr val="tx1"/>
-              </a:solidFill>
-              <a:effectLst/>
-              <a:latin typeface="+mn-lt"/>
-              <a:ea typeface="+mn-ea"/>
-              <a:cs typeface="+mn-cs"/>
-            </a:endParaRPr>
-          </a:p>
-          <a:p>
-            <a:r>
-              <a:rPr lang="en-US" sz="1200" b="0" i="0" kern="1200" dirty="0">
-                <a:solidFill>
-                  <a:schemeClr val="tx1"/>
-                </a:solidFill>
-                <a:effectLst/>
-                <a:latin typeface="+mn-lt"/>
-                <a:ea typeface="+mn-ea"/>
-                <a:cs typeface="+mn-cs"/>
-              </a:rPr>
+            <a:endParaRPr lang="en-US" dirty="0"/>
+          </a:p>
+          <a:p>
+            <a:r>
+              <a:rPr lang="en-US" dirty="0"/>
               <a:t>Neural networks are built two ways.  With a feedforward neural network, signals travel only one way, from input to output.  These types of networks are straightforward and used extensively in pattern recognition.  A convolutional neural network (CNN) is a specific type of feedforward network often used in image recognition.  With feedback – or recurrent neural networks – signals can travel both directions and there can be loops.  RNN are more powerful and complex than CNN’s. Despite this, RNN’s have been less influential than feedforward networks.</a:t>
             </a:r>
           </a:p>
           <a:p>
-            <a:endParaRPr lang="en-US" sz="1200" b="0" i="0" kern="1200" dirty="0">
-              <a:solidFill>
-                <a:schemeClr val="tx1"/>
-              </a:solidFill>
-              <a:effectLst/>
-              <a:latin typeface="+mn-lt"/>
-              <a:ea typeface="+mn-ea"/>
-              <a:cs typeface="+mn-cs"/>
-            </a:endParaRPr>
-          </a:p>
-          <a:p>
-            <a:r>
-              <a:rPr lang="en-US" sz="1200" b="0" i="0" kern="1200" dirty="0">
-                <a:solidFill>
-                  <a:schemeClr val="tx1"/>
-                </a:solidFill>
-                <a:effectLst/>
-                <a:latin typeface="+mn-lt"/>
-                <a:ea typeface="+mn-ea"/>
-                <a:cs typeface="+mn-cs"/>
-              </a:rPr>
+            <a:endParaRPr lang="en-US" dirty="0"/>
+          </a:p>
+          <a:p>
+            <a:r>
+              <a:rPr lang="en-US" dirty="0"/>
               <a:t>Neural networks are either fixed or adaptive.  The weight values in a fixed network remain static.  They do not change.  On the other hand, weight values in an adaptive network can change.</a:t>
             </a:r>
           </a:p>
           <a:p>
-            <a:endParaRPr lang="en-US" sz="1200" b="0" i="0" kern="1200" dirty="0">
-              <a:solidFill>
-                <a:schemeClr val="tx1"/>
-              </a:solidFill>
-              <a:effectLst/>
-              <a:latin typeface="+mn-lt"/>
-              <a:ea typeface="+mn-ea"/>
-              <a:cs typeface="+mn-cs"/>
-            </a:endParaRPr>
-          </a:p>
-          <a:p>
-            <a:r>
-              <a:rPr lang="en-US" sz="1200" b="0" i="0" kern="1200" dirty="0">
-                <a:solidFill>
-                  <a:schemeClr val="tx1"/>
-                </a:solidFill>
-                <a:effectLst/>
-                <a:latin typeface="+mn-lt"/>
-                <a:ea typeface="+mn-ea"/>
-                <a:cs typeface="+mn-cs"/>
-              </a:rPr>
+            <a:endParaRPr lang="en-US" dirty="0"/>
+          </a:p>
+          <a:p>
+            <a:r>
+              <a:rPr lang="en-US" dirty="0"/>
               <a:t>Neural networks use three types of datasets.  The training dataset is used to adjust the weights of the neural network.  The validation dataset is used to minimize a problem known as overfitting, which we cover late.  The testing dataset is used as a final test to gauge how accurately the network has been trained.  All three datasets are usually taken from the project’s primary dataset, sliced into three parts.  Typically, the data is split as follows:  Training data: 60%  -- Validation data: 20% -- Testing data: 20%. </a:t>
             </a:r>
           </a:p>
           <a:p>
-            <a:endParaRPr lang="en-US" sz="1200" b="0" i="0" kern="1200" dirty="0">
-              <a:solidFill>
-                <a:schemeClr val="tx1"/>
-              </a:solidFill>
-              <a:effectLst/>
-              <a:latin typeface="+mn-lt"/>
-              <a:ea typeface="+mn-ea"/>
-              <a:cs typeface="+mn-cs"/>
-            </a:endParaRPr>
-          </a:p>
-          <a:p>
-            <a:endParaRPr lang="en-US" sz="1200" b="0" i="0" kern="1200" dirty="0">
-              <a:solidFill>
-                <a:schemeClr val="tx1"/>
-              </a:solidFill>
-              <a:effectLst/>
-              <a:latin typeface="+mn-lt"/>
-              <a:ea typeface="+mn-ea"/>
-              <a:cs typeface="+mn-cs"/>
-            </a:endParaRPr>
+            <a:endParaRPr lang="en-US" dirty="0"/>
+          </a:p>
+          <a:p>
+            <a:endParaRPr lang="en-US" dirty="0"/>
           </a:p>
         </p:txBody>
       </p:sp>
@@ -1027,15 +920,7 @@
           <a:lstStyle/>
           <a:p>
             <a:r>
-              <a:rPr lang="en-US" sz="1200" b="0" i="0" kern="1200" dirty="0">
-                <a:solidFill>
-                  <a:schemeClr val="tx1"/>
-                </a:solidFill>
-                <a:effectLst/>
-                <a:latin typeface="+mn-lt"/>
-                <a:ea typeface="+mn-ea"/>
-                <a:cs typeface="+mn-cs"/>
-              </a:rPr>
+              <a:rPr lang="en-US" dirty="0"/>
               <a:t>And finally – as you continue your deep learning journey – you will encounter a variety of mathematical equations and symbols.  But do not fear!  With a little effort, you will quickly master them.  To get you started, here’s a list of the most frequently used mathematical symbols in deep learning, along with their definitions.  </a:t>
             </a:r>
           </a:p>
@@ -1151,7 +1036,7 @@
     </p:spTree>
     <p:extLst>
       <p:ext uri="{BB962C8B-B14F-4D97-AF65-F5344CB8AC3E}">
-        <p14:creationId xmlns:p14="http://schemas.microsoft.com/office/powerpoint/2010/main" val="3493800093"/>
+        <p14:creationId xmlns:p14="http://schemas.microsoft.com/office/powerpoint/2010/main" val="1193799995"/>
       </p:ext>
     </p:extLst>
   </p:cSld>
@@ -1235,7 +1120,7 @@
     </p:spTree>
     <p:extLst>
       <p:ext uri="{BB962C8B-B14F-4D97-AF65-F5344CB8AC3E}">
-        <p14:creationId xmlns:p14="http://schemas.microsoft.com/office/powerpoint/2010/main" val="1193799995"/>
+        <p14:creationId xmlns:p14="http://schemas.microsoft.com/office/powerpoint/2010/main" val="530243603"/>
       </p:ext>
     </p:extLst>
   </p:cSld>
@@ -5098,12 +4983,109 @@
           <a:chExt cx="0" cy="0"/>
         </a:xfrm>
       </p:grpSpPr>
+      <p:sp>
+        <p:nvSpPr>
+          <p:cNvPr id="6" name="TextBox 5">
+            <a:extLst>
+              <a:ext uri="{FF2B5EF4-FFF2-40B4-BE49-F238E27FC236}">
+                <a16:creationId xmlns:a16="http://schemas.microsoft.com/office/drawing/2014/main" id="{6DCBE2CA-5776-493E-8468-ECDBEE10F75F}"/>
+              </a:ext>
+            </a:extLst>
+          </p:cNvPr>
+          <p:cNvSpPr txBox="1"/>
+          <p:nvPr/>
+        </p:nvSpPr>
+        <p:spPr>
+          <a:xfrm>
+            <a:off x="0" y="6550223"/>
+            <a:ext cx="12192000" cy="307777"/>
+          </a:xfrm>
+          <a:prstGeom prst="rect">
+            <a:avLst/>
+          </a:prstGeom>
+          <a:noFill/>
+        </p:spPr>
+        <p:txBody>
+          <a:bodyPr wrap="square" rtlCol="0">
+            <a:spAutoFit/>
+          </a:bodyPr>
+          <a:lstStyle/>
+          <a:p>
+            <a:r>
+              <a:rPr lang="en-US" sz="1400" dirty="0">
+                <a:solidFill>
+                  <a:schemeClr val="tx1">
+                    <a:lumMod val="65000"/>
+                    <a:lumOff val="35000"/>
+                  </a:schemeClr>
+                </a:solidFill>
+                <a:latin typeface="+mj-lt"/>
+                <a:ea typeface="Verdana" panose="020B0604030504040204" pitchFamily="34" charset="0"/>
+              </a:rPr>
+              <a:t>Source: Chollet, F. (2017). </a:t>
+            </a:r>
+            <a:r>
+              <a:rPr lang="en-US" sz="1400" i="1" dirty="0">
+                <a:solidFill>
+                  <a:schemeClr val="tx1">
+                    <a:lumMod val="65000"/>
+                    <a:lumOff val="35000"/>
+                  </a:schemeClr>
+                </a:solidFill>
+                <a:latin typeface="+mj-lt"/>
+                <a:ea typeface="Verdana" panose="020B0604030504040204" pitchFamily="34" charset="0"/>
+              </a:rPr>
+              <a:t>Deep learning with Python</a:t>
+            </a:r>
+            <a:r>
+              <a:rPr lang="en-US" sz="1400" dirty="0">
+                <a:solidFill>
+                  <a:schemeClr val="tx1">
+                    <a:lumMod val="65000"/>
+                    <a:lumOff val="35000"/>
+                  </a:schemeClr>
+                </a:solidFill>
+                <a:latin typeface="+mj-lt"/>
+                <a:ea typeface="Verdana" panose="020B0604030504040204" pitchFamily="34" charset="0"/>
+              </a:rPr>
+              <a:t>. </a:t>
+            </a:r>
+            <a:r>
+              <a:rPr lang="en-US" sz="1400" b="0" i="0" dirty="0">
+                <a:solidFill>
+                  <a:schemeClr val="tx1">
+                    <a:lumMod val="65000"/>
+                    <a:lumOff val="35000"/>
+                  </a:schemeClr>
+                </a:solidFill>
+                <a:effectLst/>
+                <a:latin typeface="+mj-lt"/>
+                <a:ea typeface="Verdana" panose="020B0604030504040204" pitchFamily="34" charset="0"/>
+              </a:rPr>
+              <a:t>Shelter Island, NY: </a:t>
+            </a:r>
+            <a:r>
+              <a:rPr lang="en-US" sz="1400" dirty="0">
+                <a:solidFill>
+                  <a:schemeClr val="tx1">
+                    <a:lumMod val="65000"/>
+                    <a:lumOff val="35000"/>
+                  </a:schemeClr>
+                </a:solidFill>
+                <a:latin typeface="+mj-lt"/>
+                <a:ea typeface="Verdana" panose="020B0604030504040204" pitchFamily="34" charset="0"/>
+              </a:rPr>
+              <a:t>Manning Publications. (Chapter 3)</a:t>
+            </a:r>
+          </a:p>
+        </p:txBody>
+      </p:sp>
       <p:pic>
         <p:nvPicPr>
-          <p:cNvPr id="7" name="Picture 6">
-            <a:extLst>
-              <a:ext uri="{FF2B5EF4-FFF2-40B4-BE49-F238E27FC236}">
-                <a16:creationId xmlns:a16="http://schemas.microsoft.com/office/drawing/2014/main" id="{23DA123C-3AAA-4526-9DB1-701FFF86DD52}"/>
+          <p:cNvPr id="8" name="Picture 7">
+            <a:extLst>
+              <a:ext uri="{FF2B5EF4-FFF2-40B4-BE49-F238E27FC236}">
+                <a16:creationId xmlns:a16="http://schemas.microsoft.com/office/drawing/2014/main" id="{598C08D9-3D06-40C6-A2A4-250668B8343F}"/>
               </a:ext>
             </a:extLst>
           </p:cNvPr>
@@ -5120,133 +5102,24 @@
         </p:blipFill>
         <p:spPr>
           <a:xfrm>
-            <a:off x="3128962" y="1176337"/>
-            <a:ext cx="5934075" cy="4505325"/>
+            <a:off x="3702099" y="570124"/>
+            <a:ext cx="4787801" cy="5120991"/>
           </a:xfrm>
           <a:prstGeom prst="rect">
             <a:avLst/>
           </a:prstGeom>
         </p:spPr>
       </p:pic>
-      <p:sp>
-        <p:nvSpPr>
-          <p:cNvPr id="3" name="TextBox 2">
-            <a:extLst>
-              <a:ext uri="{FF2B5EF4-FFF2-40B4-BE49-F238E27FC236}">
-                <a16:creationId xmlns:a16="http://schemas.microsoft.com/office/drawing/2014/main" id="{24EBBBFB-AD31-4458-B394-139EA9CA7DE7}"/>
-              </a:ext>
-            </a:extLst>
-          </p:cNvPr>
-          <p:cNvSpPr txBox="1"/>
-          <p:nvPr/>
-        </p:nvSpPr>
-        <p:spPr>
-          <a:xfrm>
-            <a:off x="0" y="6550223"/>
-            <a:ext cx="12192000" cy="307777"/>
-          </a:xfrm>
-          <a:prstGeom prst="rect">
-            <a:avLst/>
-          </a:prstGeom>
-          <a:noFill/>
-        </p:spPr>
-        <p:txBody>
-          <a:bodyPr wrap="square" rtlCol="0">
-            <a:spAutoFit/>
-          </a:bodyPr>
-          <a:lstStyle/>
-          <a:p>
-            <a:r>
-              <a:rPr lang="en-US" sz="1400" dirty="0">
-                <a:solidFill>
-                  <a:schemeClr val="tx1">
-                    <a:lumMod val="65000"/>
-                    <a:lumOff val="35000"/>
-                  </a:schemeClr>
-                </a:solidFill>
-                <a:latin typeface="+mj-lt"/>
-                <a:ea typeface="Verdana" panose="020B0604030504040204" pitchFamily="34" charset="0"/>
-              </a:rPr>
-              <a:t>Source: Chollet, F. (2017). </a:t>
-            </a:r>
-            <a:r>
-              <a:rPr lang="en-US" sz="1400" i="1" dirty="0">
-                <a:solidFill>
-                  <a:schemeClr val="tx1">
-                    <a:lumMod val="65000"/>
-                    <a:lumOff val="35000"/>
-                  </a:schemeClr>
-                </a:solidFill>
-                <a:latin typeface="+mj-lt"/>
-                <a:ea typeface="Verdana" panose="020B0604030504040204" pitchFamily="34" charset="0"/>
-              </a:rPr>
-              <a:t>Deep learning with Python</a:t>
-            </a:r>
-            <a:r>
-              <a:rPr lang="en-US" sz="1400" dirty="0">
-                <a:solidFill>
-                  <a:schemeClr val="tx1">
-                    <a:lumMod val="65000"/>
-                    <a:lumOff val="35000"/>
-                  </a:schemeClr>
-                </a:solidFill>
-                <a:latin typeface="+mj-lt"/>
-                <a:ea typeface="Verdana" panose="020B0604030504040204" pitchFamily="34" charset="0"/>
-              </a:rPr>
-              <a:t>. </a:t>
-            </a:r>
-            <a:r>
-              <a:rPr lang="en-US" sz="1400" b="0" i="0" dirty="0">
-                <a:solidFill>
-                  <a:schemeClr val="tx1">
-                    <a:lumMod val="65000"/>
-                    <a:lumOff val="35000"/>
-                  </a:schemeClr>
-                </a:solidFill>
-                <a:effectLst/>
-                <a:latin typeface="+mj-lt"/>
-                <a:ea typeface="Verdana" panose="020B0604030504040204" pitchFamily="34" charset="0"/>
-              </a:rPr>
-              <a:t>Shelter Island, NY: </a:t>
-            </a:r>
-            <a:r>
-              <a:rPr lang="en-US" sz="1400" dirty="0">
-                <a:solidFill>
-                  <a:schemeClr val="tx1">
-                    <a:lumMod val="65000"/>
-                    <a:lumOff val="35000"/>
-                  </a:schemeClr>
-                </a:solidFill>
-                <a:latin typeface="+mj-lt"/>
-                <a:ea typeface="Verdana" panose="020B0604030504040204" pitchFamily="34" charset="0"/>
-              </a:rPr>
-              <a:t>Manning Publications. (Chapter 3)</a:t>
-            </a:r>
-          </a:p>
-        </p:txBody>
-      </p:sp>
     </p:spTree>
     <p:extLst>
       <p:ext uri="{BB962C8B-B14F-4D97-AF65-F5344CB8AC3E}">
-        <p14:creationId xmlns:p14="http://schemas.microsoft.com/office/powerpoint/2010/main" val="3428235906"/>
+        <p14:creationId xmlns:p14="http://schemas.microsoft.com/office/powerpoint/2010/main" val="2739938045"/>
       </p:ext>
     </p:extLst>
   </p:cSld>
   <p:clrMapOvr>
     <a:masterClrMapping/>
   </p:clrMapOvr>
-  <mc:AlternateContent xmlns:mc="http://schemas.openxmlformats.org/markup-compatibility/2006" xmlns:p14="http://schemas.microsoft.com/office/powerpoint/2010/main">
-    <mc:Choice Requires="p14">
-      <p:transition spd="med" p14:dur="700">
-        <p:fade/>
-      </p:transition>
-    </mc:Choice>
-    <mc:Fallback xmlns="">
-      <p:transition spd="med">
-        <p:fade/>
-      </p:transition>
-    </mc:Fallback>
-  </mc:AlternateContent>
 </p:sld>
 </file>
 
@@ -6751,7 +6624,7 @@
     </p:spTree>
     <p:extLst>
       <p:ext uri="{BB962C8B-B14F-4D97-AF65-F5344CB8AC3E}">
-        <p14:creationId xmlns:p14="http://schemas.microsoft.com/office/powerpoint/2010/main" val="2739938045"/>
+        <p14:creationId xmlns:p14="http://schemas.microsoft.com/office/powerpoint/2010/main" val="4286535531"/>
       </p:ext>
     </p:extLst>
   </p:cSld>
@@ -6820,7 +6693,7 @@
     </p:spTree>
     <p:extLst>
       <p:ext uri="{BB962C8B-B14F-4D97-AF65-F5344CB8AC3E}">
-        <p14:creationId xmlns:p14="http://schemas.microsoft.com/office/powerpoint/2010/main" val="4286535531"/>
+        <p14:creationId xmlns:p14="http://schemas.microsoft.com/office/powerpoint/2010/main" val="1243390756"/>
       </p:ext>
     </p:extLst>
   </p:cSld>

--- a/presentations/model_training_overview.pptx
+++ b/presentations/model_training_overview.pptx
@@ -5,16 +5,14 @@
     <p:sldMasterId id="2147483648" r:id="rId1"/>
   </p:sldMasterIdLst>
   <p:notesMasterIdLst>
-    <p:notesMasterId r:id="rId9"/>
+    <p:notesMasterId r:id="rId7"/>
   </p:notesMasterIdLst>
   <p:sldIdLst>
     <p:sldId id="322" r:id="rId2"/>
     <p:sldId id="258" r:id="rId3"/>
     <p:sldId id="323" r:id="rId4"/>
-    <p:sldId id="267" r:id="rId5"/>
-    <p:sldId id="269" r:id="rId6"/>
-    <p:sldId id="324" r:id="rId7"/>
-    <p:sldId id="325" r:id="rId8"/>
+    <p:sldId id="325" r:id="rId5"/>
+    <p:sldId id="267" r:id="rId6"/>
   </p:sldIdLst>
   <p:sldSz cx="12192000" cy="6858000"/>
   <p:notesSz cx="7023100" cy="9309100"/>
@@ -214,7 +212,7 @@
           <a:p>
             <a:fld id="{FD93C9B2-20F6-4DB1-B471-224337D0AC79}" type="datetimeFigureOut">
               <a:rPr lang="en-US" smtClean="0"/>
-              <a:t>6/14/2022</a:t>
+              <a:t>9/1/2022</a:t>
             </a:fld>
             <a:endParaRPr lang="en-US"/>
           </a:p>
@@ -790,51 +788,6 @@
           <a:bodyPr/>
           <a:lstStyle/>
           <a:p>
-            <a:r>
-              <a:rPr lang="en-US" dirty="0"/>
-              <a:t>Neural networks are always built to solve a specific type of problem, although this doesn’t mean they can’t be used as “general purpose” tools.  Examples of specific uses include: prediction, forecasting, estimation, classification, and pattern recognition.</a:t>
-            </a:r>
-          </a:p>
-          <a:p>
-            <a:endParaRPr lang="en-US" dirty="0"/>
-          </a:p>
-          <a:p>
-            <a:r>
-              <a:rPr lang="en-US" dirty="0"/>
-              <a:t>A neural network has three basic sections, or parts, and each part is composed of “nodes”.  There’s the input layer, one or more hidden layers (sometimes dozens of hidden layers), and a final output layer.</a:t>
-            </a:r>
-          </a:p>
-          <a:p>
-            <a:endParaRPr lang="en-US" dirty="0"/>
-          </a:p>
-          <a:p>
-            <a:r>
-              <a:rPr lang="en-US" dirty="0"/>
-              <a:t>Neural networks are built two ways.  With a feedforward neural network, signals travel only one way, from input to output.  These types of networks are straightforward and used extensively in pattern recognition.  A convolutional neural network (CNN) is a specific type of feedforward network often used in image recognition.  With feedback – or recurrent neural networks – signals can travel both directions and there can be loops.  RNN are more powerful and complex than CNN’s. Despite this, RNN’s have been less influential than feedforward networks.</a:t>
-            </a:r>
-          </a:p>
-          <a:p>
-            <a:endParaRPr lang="en-US" dirty="0"/>
-          </a:p>
-          <a:p>
-            <a:r>
-              <a:rPr lang="en-US" dirty="0"/>
-              <a:t>Neural networks are either fixed or adaptive.  The weight values in a fixed network remain static.  They do not change.  On the other hand, weight values in an adaptive network can change.</a:t>
-            </a:r>
-          </a:p>
-          <a:p>
-            <a:endParaRPr lang="en-US" dirty="0"/>
-          </a:p>
-          <a:p>
-            <a:r>
-              <a:rPr lang="en-US" dirty="0"/>
-              <a:t>Neural networks use three types of datasets.  The training dataset is used to adjust the weights of the neural network.  The validation dataset is used to minimize a problem known as overfitting, which we cover late.  The testing dataset is used as a final test to gauge how accurately the network has been trained.  All three datasets are usually taken from the project’s primary dataset, sliced into three parts.  Typically, the data is split as follows:  Training data: 60%  -- Validation data: 20% -- Testing data: 20%. </a:t>
-            </a:r>
-          </a:p>
-          <a:p>
-            <a:endParaRPr lang="en-US" dirty="0"/>
-          </a:p>
-          <a:p>
             <a:endParaRPr lang="en-US" dirty="0"/>
           </a:p>
         </p:txBody>
@@ -865,7 +818,7 @@
     </p:spTree>
     <p:extLst>
       <p:ext uri="{BB962C8B-B14F-4D97-AF65-F5344CB8AC3E}">
-        <p14:creationId xmlns:p14="http://schemas.microsoft.com/office/powerpoint/2010/main" val="1135150984"/>
+        <p14:creationId xmlns:p14="http://schemas.microsoft.com/office/powerpoint/2010/main" val="530243603"/>
       </p:ext>
     </p:extLst>
   </p:cSld>
@@ -921,8 +874,50 @@
           <a:p>
             <a:r>
               <a:rPr lang="en-US" dirty="0"/>
-              <a:t>And finally – as you continue your deep learning journey – you will encounter a variety of mathematical equations and symbols.  But do not fear!  With a little effort, you will quickly master them.  To get you started, here’s a list of the most frequently used mathematical symbols in deep learning, along with their definitions.  </a:t>
-            </a:r>
+              <a:t>Neural networks are always built to solve a specific type of problem, although this doesn’t mean they can’t be used as “general purpose” tools.  Examples of specific uses include: prediction, forecasting, estimation, classification, and pattern recognition.</a:t>
+            </a:r>
+          </a:p>
+          <a:p>
+            <a:endParaRPr lang="en-US" dirty="0"/>
+          </a:p>
+          <a:p>
+            <a:r>
+              <a:rPr lang="en-US" dirty="0"/>
+              <a:t>A neural network has three basic sections, or parts, and each part is composed of “nodes”.  There’s the input layer, one or more hidden layers (sometimes dozens of hidden layers), and a final output layer.</a:t>
+            </a:r>
+          </a:p>
+          <a:p>
+            <a:endParaRPr lang="en-US" dirty="0"/>
+          </a:p>
+          <a:p>
+            <a:r>
+              <a:rPr lang="en-US" dirty="0"/>
+              <a:t>Neural networks are built two ways.  With a feedforward neural network, signals travel only one way, from input to output.  These types of networks are straightforward and used extensively in pattern recognition.  A convolutional neural network (CNN) is a specific type of feedforward network often used in image recognition.  With feedback – or recurrent neural networks – signals can travel both directions and there can be loops.  RNN are more powerful and complex than CNN’s. Despite this, RNN’s have been less influential than feedforward networks.</a:t>
+            </a:r>
+          </a:p>
+          <a:p>
+            <a:endParaRPr lang="en-US" dirty="0"/>
+          </a:p>
+          <a:p>
+            <a:r>
+              <a:rPr lang="en-US" dirty="0"/>
+              <a:t>Neural networks are either fixed or adaptive.  The weight values in a fixed network remain static.  They do not change.  On the other hand, weight values in an adaptive network can change.</a:t>
+            </a:r>
+          </a:p>
+          <a:p>
+            <a:endParaRPr lang="en-US" dirty="0"/>
+          </a:p>
+          <a:p>
+            <a:r>
+              <a:rPr lang="en-US" dirty="0"/>
+              <a:t>Neural networks use three types of datasets.  The training dataset is used to adjust the weights of the neural network.  The validation dataset is used to minimize a problem known as overfitting, which we cover late.  The testing dataset is used as a final test to gauge how accurately the network has been trained.  All three datasets are usually taken from the project’s primary dataset, sliced into three parts.  Typically, the data is split as follows:  Training data: 60%  -- Validation data: 20% -- Testing data: 20%. </a:t>
+            </a:r>
+          </a:p>
+          <a:p>
+            <a:endParaRPr lang="en-US" dirty="0"/>
+          </a:p>
+          <a:p>
+            <a:endParaRPr lang="en-US" dirty="0"/>
           </a:p>
         </p:txBody>
       </p:sp>
@@ -952,175 +947,7 @@
     </p:spTree>
     <p:extLst>
       <p:ext uri="{BB962C8B-B14F-4D97-AF65-F5344CB8AC3E}">
-        <p14:creationId xmlns:p14="http://schemas.microsoft.com/office/powerpoint/2010/main" val="2550897438"/>
-      </p:ext>
-    </p:extLst>
-  </p:cSld>
-  <p:clrMapOvr>
-    <a:masterClrMapping/>
-  </p:clrMapOvr>
-</p:notes>
-</file>
-
-<file path=ppt/notesSlides/notesSlide6.xml><?xml version="1.0" encoding="utf-8"?>
-<p:notes xmlns:a="http://schemas.openxmlformats.org/drawingml/2006/main" xmlns:r="http://schemas.openxmlformats.org/officeDocument/2006/relationships" xmlns:p="http://schemas.openxmlformats.org/presentationml/2006/main">
-  <p:cSld>
-    <p:spTree>
-      <p:nvGrpSpPr>
-        <p:cNvPr id="1" name=""/>
-        <p:cNvGrpSpPr/>
-        <p:nvPr/>
-      </p:nvGrpSpPr>
-      <p:grpSpPr>
-        <a:xfrm>
-          <a:off x="0" y="0"/>
-          <a:ext cx="0" cy="0"/>
-          <a:chOff x="0" y="0"/>
-          <a:chExt cx="0" cy="0"/>
-        </a:xfrm>
-      </p:grpSpPr>
-      <p:sp>
-        <p:nvSpPr>
-          <p:cNvPr id="2" name="Slide Image Placeholder 1"/>
-          <p:cNvSpPr>
-            <a:spLocks noGrp="1" noRot="1" noChangeAspect="1"/>
-          </p:cNvSpPr>
-          <p:nvPr>
-            <p:ph type="sldImg"/>
-          </p:nvPr>
-        </p:nvSpPr>
-        <p:spPr/>
-      </p:sp>
-      <p:sp>
-        <p:nvSpPr>
-          <p:cNvPr id="3" name="Notes Placeholder 2"/>
-          <p:cNvSpPr>
-            <a:spLocks noGrp="1"/>
-          </p:cNvSpPr>
-          <p:nvPr>
-            <p:ph type="body" idx="1"/>
-          </p:nvPr>
-        </p:nvSpPr>
-        <p:spPr/>
-        <p:txBody>
-          <a:bodyPr/>
-          <a:lstStyle/>
-          <a:p>
-            <a:endParaRPr lang="en-US" dirty="0"/>
-          </a:p>
-        </p:txBody>
-      </p:sp>
-      <p:sp>
-        <p:nvSpPr>
-          <p:cNvPr id="4" name="Slide Number Placeholder 3"/>
-          <p:cNvSpPr>
-            <a:spLocks noGrp="1"/>
-          </p:cNvSpPr>
-          <p:nvPr>
-            <p:ph type="sldNum" sz="quarter" idx="5"/>
-          </p:nvPr>
-        </p:nvSpPr>
-        <p:spPr/>
-        <p:txBody>
-          <a:bodyPr/>
-          <a:lstStyle/>
-          <a:p>
-            <a:fld id="{3148858F-F1DB-4027-9C85-CCA6849540DD}" type="slidenum">
-              <a:rPr lang="en-US" smtClean="0"/>
-              <a:t>6</a:t>
-            </a:fld>
-            <a:endParaRPr lang="en-US"/>
-          </a:p>
-        </p:txBody>
-      </p:sp>
-    </p:spTree>
-    <p:extLst>
-      <p:ext uri="{BB962C8B-B14F-4D97-AF65-F5344CB8AC3E}">
-        <p14:creationId xmlns:p14="http://schemas.microsoft.com/office/powerpoint/2010/main" val="1193799995"/>
-      </p:ext>
-    </p:extLst>
-  </p:cSld>
-  <p:clrMapOvr>
-    <a:masterClrMapping/>
-  </p:clrMapOvr>
-</p:notes>
-</file>
-
-<file path=ppt/notesSlides/notesSlide7.xml><?xml version="1.0" encoding="utf-8"?>
-<p:notes xmlns:a="http://schemas.openxmlformats.org/drawingml/2006/main" xmlns:r="http://schemas.openxmlformats.org/officeDocument/2006/relationships" xmlns:p="http://schemas.openxmlformats.org/presentationml/2006/main">
-  <p:cSld>
-    <p:spTree>
-      <p:nvGrpSpPr>
-        <p:cNvPr id="1" name=""/>
-        <p:cNvGrpSpPr/>
-        <p:nvPr/>
-      </p:nvGrpSpPr>
-      <p:grpSpPr>
-        <a:xfrm>
-          <a:off x="0" y="0"/>
-          <a:ext cx="0" cy="0"/>
-          <a:chOff x="0" y="0"/>
-          <a:chExt cx="0" cy="0"/>
-        </a:xfrm>
-      </p:grpSpPr>
-      <p:sp>
-        <p:nvSpPr>
-          <p:cNvPr id="2" name="Slide Image Placeholder 1"/>
-          <p:cNvSpPr>
-            <a:spLocks noGrp="1" noRot="1" noChangeAspect="1"/>
-          </p:cNvSpPr>
-          <p:nvPr>
-            <p:ph type="sldImg"/>
-          </p:nvPr>
-        </p:nvSpPr>
-        <p:spPr/>
-      </p:sp>
-      <p:sp>
-        <p:nvSpPr>
-          <p:cNvPr id="3" name="Notes Placeholder 2"/>
-          <p:cNvSpPr>
-            <a:spLocks noGrp="1"/>
-          </p:cNvSpPr>
-          <p:nvPr>
-            <p:ph type="body" idx="1"/>
-          </p:nvPr>
-        </p:nvSpPr>
-        <p:spPr/>
-        <p:txBody>
-          <a:bodyPr/>
-          <a:lstStyle/>
-          <a:p>
-            <a:endParaRPr lang="en-US" dirty="0"/>
-          </a:p>
-        </p:txBody>
-      </p:sp>
-      <p:sp>
-        <p:nvSpPr>
-          <p:cNvPr id="4" name="Slide Number Placeholder 3"/>
-          <p:cNvSpPr>
-            <a:spLocks noGrp="1"/>
-          </p:cNvSpPr>
-          <p:nvPr>
-            <p:ph type="sldNum" sz="quarter" idx="5"/>
-          </p:nvPr>
-        </p:nvSpPr>
-        <p:spPr/>
-        <p:txBody>
-          <a:bodyPr/>
-          <a:lstStyle/>
-          <a:p>
-            <a:fld id="{3148858F-F1DB-4027-9C85-CCA6849540DD}" type="slidenum">
-              <a:rPr lang="en-US" smtClean="0"/>
-              <a:t>7</a:t>
-            </a:fld>
-            <a:endParaRPr lang="en-US"/>
-          </a:p>
-        </p:txBody>
-      </p:sp>
-    </p:spTree>
-    <p:extLst>
-      <p:ext uri="{BB962C8B-B14F-4D97-AF65-F5344CB8AC3E}">
-        <p14:creationId xmlns:p14="http://schemas.microsoft.com/office/powerpoint/2010/main" val="530243603"/>
+        <p14:creationId xmlns:p14="http://schemas.microsoft.com/office/powerpoint/2010/main" val="1135150984"/>
       </p:ext>
     </p:extLst>
   </p:cSld>
@@ -1277,7 +1104,7 @@
           <a:p>
             <a:fld id="{C3F78080-8D0A-4BE8-A5B4-CB115102D524}" type="datetimeFigureOut">
               <a:rPr lang="en-US" smtClean="0"/>
-              <a:t>6/14/2022</a:t>
+              <a:t>9/1/2022</a:t>
             </a:fld>
             <a:endParaRPr lang="en-US"/>
           </a:p>
@@ -1475,7 +1302,7 @@
           <a:p>
             <a:fld id="{C3F78080-8D0A-4BE8-A5B4-CB115102D524}" type="datetimeFigureOut">
               <a:rPr lang="en-US" smtClean="0"/>
-              <a:t>6/14/2022</a:t>
+              <a:t>9/1/2022</a:t>
             </a:fld>
             <a:endParaRPr lang="en-US"/>
           </a:p>
@@ -1683,7 +1510,7 @@
           <a:p>
             <a:fld id="{C3F78080-8D0A-4BE8-A5B4-CB115102D524}" type="datetimeFigureOut">
               <a:rPr lang="en-US" smtClean="0"/>
-              <a:t>6/14/2022</a:t>
+              <a:t>9/1/2022</a:t>
             </a:fld>
             <a:endParaRPr lang="en-US"/>
           </a:p>
@@ -1881,7 +1708,7 @@
           <a:p>
             <a:fld id="{C3F78080-8D0A-4BE8-A5B4-CB115102D524}" type="datetimeFigureOut">
               <a:rPr lang="en-US" smtClean="0"/>
-              <a:t>6/14/2022</a:t>
+              <a:t>9/1/2022</a:t>
             </a:fld>
             <a:endParaRPr lang="en-US"/>
           </a:p>
@@ -2156,7 +1983,7 @@
           <a:p>
             <a:fld id="{C3F78080-8D0A-4BE8-A5B4-CB115102D524}" type="datetimeFigureOut">
               <a:rPr lang="en-US" smtClean="0"/>
-              <a:t>6/14/2022</a:t>
+              <a:t>9/1/2022</a:t>
             </a:fld>
             <a:endParaRPr lang="en-US"/>
           </a:p>
@@ -2421,7 +2248,7 @@
           <a:p>
             <a:fld id="{C3F78080-8D0A-4BE8-A5B4-CB115102D524}" type="datetimeFigureOut">
               <a:rPr lang="en-US" smtClean="0"/>
-              <a:t>6/14/2022</a:t>
+              <a:t>9/1/2022</a:t>
             </a:fld>
             <a:endParaRPr lang="en-US"/>
           </a:p>
@@ -2833,7 +2660,7 @@
           <a:p>
             <a:fld id="{C3F78080-8D0A-4BE8-A5B4-CB115102D524}" type="datetimeFigureOut">
               <a:rPr lang="en-US" smtClean="0"/>
-              <a:t>6/14/2022</a:t>
+              <a:t>9/1/2022</a:t>
             </a:fld>
             <a:endParaRPr lang="en-US"/>
           </a:p>
@@ -2974,7 +2801,7 @@
           <a:p>
             <a:fld id="{C3F78080-8D0A-4BE8-A5B4-CB115102D524}" type="datetimeFigureOut">
               <a:rPr lang="en-US" smtClean="0"/>
-              <a:t>6/14/2022</a:t>
+              <a:t>9/1/2022</a:t>
             </a:fld>
             <a:endParaRPr lang="en-US"/>
           </a:p>
@@ -3087,7 +2914,7 @@
           <a:p>
             <a:fld id="{C3F78080-8D0A-4BE8-A5B4-CB115102D524}" type="datetimeFigureOut">
               <a:rPr lang="en-US" smtClean="0"/>
-              <a:t>6/14/2022</a:t>
+              <a:t>9/1/2022</a:t>
             </a:fld>
             <a:endParaRPr lang="en-US"/>
           </a:p>
@@ -3398,7 +3225,7 @@
           <a:p>
             <a:fld id="{C3F78080-8D0A-4BE8-A5B4-CB115102D524}" type="datetimeFigureOut">
               <a:rPr lang="en-US" smtClean="0"/>
-              <a:t>6/14/2022</a:t>
+              <a:t>9/1/2022</a:t>
             </a:fld>
             <a:endParaRPr lang="en-US"/>
           </a:p>
@@ -3686,7 +3513,7 @@
           <a:p>
             <a:fld id="{C3F78080-8D0A-4BE8-A5B4-CB115102D524}" type="datetimeFigureOut">
               <a:rPr lang="en-US" smtClean="0"/>
-              <a:t>6/14/2022</a:t>
+              <a:t>9/1/2022</a:t>
             </a:fld>
             <a:endParaRPr lang="en-US"/>
           </a:p>
@@ -3927,7 +3754,7 @@
           <a:p>
             <a:fld id="{C3F78080-8D0A-4BE8-A5B4-CB115102D524}" type="datetimeFigureOut">
               <a:rPr lang="en-US" smtClean="0"/>
-              <a:t>6/14/2022</a:t>
+              <a:t>9/1/2022</a:t>
             </a:fld>
             <a:endParaRPr lang="en-US"/>
           </a:p>
@@ -5124,6 +4951,75 @@
 </file>
 
 <file path=ppt/slides/slide4.xml><?xml version="1.0" encoding="utf-8"?>
+<p:sld xmlns:a="http://schemas.openxmlformats.org/drawingml/2006/main" xmlns:r="http://schemas.openxmlformats.org/officeDocument/2006/relationships" xmlns:p="http://schemas.openxmlformats.org/presentationml/2006/main">
+  <p:cSld>
+    <p:spTree>
+      <p:nvGrpSpPr>
+        <p:cNvPr id="1" name=""/>
+        <p:cNvGrpSpPr/>
+        <p:nvPr/>
+      </p:nvGrpSpPr>
+      <p:grpSpPr>
+        <a:xfrm>
+          <a:off x="0" y="0"/>
+          <a:ext cx="0" cy="0"/>
+          <a:chOff x="0" y="0"/>
+          <a:chExt cx="0" cy="0"/>
+        </a:xfrm>
+      </p:grpSpPr>
+      <p:pic>
+        <p:nvPicPr>
+          <p:cNvPr id="3" name="Graphic 2">
+            <a:extLst>
+              <a:ext uri="{FF2B5EF4-FFF2-40B4-BE49-F238E27FC236}">
+                <a16:creationId xmlns:a16="http://schemas.microsoft.com/office/drawing/2014/main" id="{37B15A5D-91AF-41E0-809F-0D084640631F}"/>
+              </a:ext>
+            </a:extLst>
+          </p:cNvPr>
+          <p:cNvPicPr>
+            <a:picLocks noChangeAspect="1"/>
+          </p:cNvPicPr>
+          <p:nvPr/>
+        </p:nvPicPr>
+        <p:blipFill>
+          <a:blip r:embed="rId3">
+            <a:extLst>
+              <a:ext uri="{28A0092B-C50C-407E-A947-70E740481C1C}">
+                <a14:useLocalDpi xmlns:a14="http://schemas.microsoft.com/office/drawing/2010/main" val="0"/>
+              </a:ext>
+              <a:ext uri="{96DAC541-7B7A-43D3-8B79-37D633B846F1}">
+                <asvg:svgBlip xmlns:asvg="http://schemas.microsoft.com/office/drawing/2016/SVG/main" r:embed="rId4"/>
+              </a:ext>
+            </a:extLst>
+          </a:blip>
+          <a:stretch>
+            <a:fillRect/>
+          </a:stretch>
+        </p:blipFill>
+        <p:spPr>
+          <a:xfrm>
+            <a:off x="0" y="0"/>
+            <a:ext cx="12192000" cy="6858000"/>
+          </a:xfrm>
+          <a:prstGeom prst="rect">
+            <a:avLst/>
+          </a:prstGeom>
+        </p:spPr>
+      </p:pic>
+    </p:spTree>
+    <p:extLst>
+      <p:ext uri="{BB962C8B-B14F-4D97-AF65-F5344CB8AC3E}">
+        <p14:creationId xmlns:p14="http://schemas.microsoft.com/office/powerpoint/2010/main" val="1243390756"/>
+      </p:ext>
+    </p:extLst>
+  </p:cSld>
+  <p:clrMapOvr>
+    <a:masterClrMapping/>
+  </p:clrMapOvr>
+</p:sld>
+</file>
+
+<file path=ppt/slides/slide5.xml><?xml version="1.0" encoding="utf-8"?>
 <p:sld xmlns:a="http://schemas.openxmlformats.org/drawingml/2006/main" xmlns:r="http://schemas.openxmlformats.org/officeDocument/2006/relationships" xmlns:p="http://schemas.openxmlformats.org/presentationml/2006/main">
   <p:cSld>
     <p:spTree>
@@ -6529,177 +6425,6 @@
       <p:bldP spid="10" grpId="0"/>
     </p:bldLst>
   </p:timing>
-</p:sld>
-</file>
-
-<file path=ppt/slides/slide5.xml><?xml version="1.0" encoding="utf-8"?>
-<p:sld xmlns:a="http://schemas.openxmlformats.org/drawingml/2006/main" xmlns:r="http://schemas.openxmlformats.org/officeDocument/2006/relationships" xmlns:p="http://schemas.openxmlformats.org/presentationml/2006/main">
-  <p:cSld>
-    <p:spTree>
-      <p:nvGrpSpPr>
-        <p:cNvPr id="1" name=""/>
-        <p:cNvGrpSpPr/>
-        <p:nvPr/>
-      </p:nvGrpSpPr>
-      <p:grpSpPr>
-        <a:xfrm>
-          <a:off x="0" y="0"/>
-          <a:ext cx="0" cy="0"/>
-          <a:chOff x="0" y="0"/>
-          <a:chExt cx="0" cy="0"/>
-        </a:xfrm>
-      </p:grpSpPr>
-      <p:pic>
-        <p:nvPicPr>
-          <p:cNvPr id="3" name="Picture 2">
-            <a:extLst>
-              <a:ext uri="{FF2B5EF4-FFF2-40B4-BE49-F238E27FC236}">
-                <a16:creationId xmlns:a16="http://schemas.microsoft.com/office/drawing/2014/main" id="{D4F29E86-F4EC-4823-9A43-A52FE451A52D}"/>
-              </a:ext>
-            </a:extLst>
-          </p:cNvPr>
-          <p:cNvPicPr>
-            <a:picLocks noChangeAspect="1"/>
-          </p:cNvPicPr>
-          <p:nvPr/>
-        </p:nvPicPr>
-        <p:blipFill>
-          <a:blip r:embed="rId3"/>
-          <a:stretch>
-            <a:fillRect/>
-          </a:stretch>
-        </p:blipFill>
-        <p:spPr>
-          <a:xfrm>
-            <a:off x="3333037" y="960774"/>
-            <a:ext cx="5525925" cy="5245292"/>
-          </a:xfrm>
-          <a:prstGeom prst="rect">
-            <a:avLst/>
-          </a:prstGeom>
-        </p:spPr>
-      </p:pic>
-    </p:spTree>
-    <p:extLst>
-      <p:ext uri="{BB962C8B-B14F-4D97-AF65-F5344CB8AC3E}">
-        <p14:creationId xmlns:p14="http://schemas.microsoft.com/office/powerpoint/2010/main" val="2533188322"/>
-      </p:ext>
-    </p:extLst>
-  </p:cSld>
-  <p:clrMapOvr>
-    <a:masterClrMapping/>
-  </p:clrMapOvr>
-  <mc:AlternateContent xmlns:mc="http://schemas.openxmlformats.org/markup-compatibility/2006" xmlns:p14="http://schemas.microsoft.com/office/powerpoint/2010/main">
-    <mc:Choice Requires="p14">
-      <p:transition spd="med" p14:dur="700">
-        <p:fade/>
-      </p:transition>
-    </mc:Choice>
-    <mc:Fallback xmlns="">
-      <p:transition spd="med">
-        <p:fade/>
-      </p:transition>
-    </mc:Fallback>
-  </mc:AlternateContent>
-</p:sld>
-</file>
-
-<file path=ppt/slides/slide6.xml><?xml version="1.0" encoding="utf-8"?>
-<p:sld xmlns:a="http://schemas.openxmlformats.org/drawingml/2006/main" xmlns:r="http://schemas.openxmlformats.org/officeDocument/2006/relationships" xmlns:p="http://schemas.openxmlformats.org/presentationml/2006/main">
-  <p:cSld>
-    <p:spTree>
-      <p:nvGrpSpPr>
-        <p:cNvPr id="1" name=""/>
-        <p:cNvGrpSpPr/>
-        <p:nvPr/>
-      </p:nvGrpSpPr>
-      <p:grpSpPr>
-        <a:xfrm>
-          <a:off x="0" y="0"/>
-          <a:ext cx="0" cy="0"/>
-          <a:chOff x="0" y="0"/>
-          <a:chExt cx="0" cy="0"/>
-        </a:xfrm>
-      </p:grpSpPr>
-    </p:spTree>
-    <p:extLst>
-      <p:ext uri="{BB962C8B-B14F-4D97-AF65-F5344CB8AC3E}">
-        <p14:creationId xmlns:p14="http://schemas.microsoft.com/office/powerpoint/2010/main" val="4286535531"/>
-      </p:ext>
-    </p:extLst>
-  </p:cSld>
-  <p:clrMapOvr>
-    <a:masterClrMapping/>
-  </p:clrMapOvr>
-</p:sld>
-</file>
-
-<file path=ppt/slides/slide7.xml><?xml version="1.0" encoding="utf-8"?>
-<p:sld xmlns:a="http://schemas.openxmlformats.org/drawingml/2006/main" xmlns:r="http://schemas.openxmlformats.org/officeDocument/2006/relationships" xmlns:p="http://schemas.openxmlformats.org/presentationml/2006/main">
-  <p:cSld>
-    <p:spTree>
-      <p:nvGrpSpPr>
-        <p:cNvPr id="1" name=""/>
-        <p:cNvGrpSpPr/>
-        <p:nvPr/>
-      </p:nvGrpSpPr>
-      <p:grpSpPr>
-        <a:xfrm>
-          <a:off x="0" y="0"/>
-          <a:ext cx="0" cy="0"/>
-          <a:chOff x="0" y="0"/>
-          <a:chExt cx="0" cy="0"/>
-        </a:xfrm>
-      </p:grpSpPr>
-      <p:pic>
-        <p:nvPicPr>
-          <p:cNvPr id="3" name="Graphic 2">
-            <a:extLst>
-              <a:ext uri="{FF2B5EF4-FFF2-40B4-BE49-F238E27FC236}">
-                <a16:creationId xmlns:a16="http://schemas.microsoft.com/office/drawing/2014/main" id="{37B15A5D-91AF-41E0-809F-0D084640631F}"/>
-              </a:ext>
-            </a:extLst>
-          </p:cNvPr>
-          <p:cNvPicPr>
-            <a:picLocks noChangeAspect="1"/>
-          </p:cNvPicPr>
-          <p:nvPr/>
-        </p:nvPicPr>
-        <p:blipFill>
-          <a:blip r:embed="rId3">
-            <a:extLst>
-              <a:ext uri="{28A0092B-C50C-407E-A947-70E740481C1C}">
-                <a14:useLocalDpi xmlns:a14="http://schemas.microsoft.com/office/drawing/2010/main" val="0"/>
-              </a:ext>
-              <a:ext uri="{96DAC541-7B7A-43D3-8B79-37D633B846F1}">
-                <asvg:svgBlip xmlns:asvg="http://schemas.microsoft.com/office/drawing/2016/SVG/main" r:embed="rId4"/>
-              </a:ext>
-            </a:extLst>
-          </a:blip>
-          <a:stretch>
-            <a:fillRect/>
-          </a:stretch>
-        </p:blipFill>
-        <p:spPr>
-          <a:xfrm>
-            <a:off x="0" y="0"/>
-            <a:ext cx="12192000" cy="6858000"/>
-          </a:xfrm>
-          <a:prstGeom prst="rect">
-            <a:avLst/>
-          </a:prstGeom>
-        </p:spPr>
-      </p:pic>
-    </p:spTree>
-    <p:extLst>
-      <p:ext uri="{BB962C8B-B14F-4D97-AF65-F5344CB8AC3E}">
-        <p14:creationId xmlns:p14="http://schemas.microsoft.com/office/powerpoint/2010/main" val="1243390756"/>
-      </p:ext>
-    </p:extLst>
-  </p:cSld>
-  <p:clrMapOvr>
-    <a:masterClrMapping/>
-  </p:clrMapOvr>
 </p:sld>
 </file>
 
